--- a/img/contents.pptx
+++ b/img/contents.pptx
@@ -151,7 +151,7 @@
       </p14:sectionLst>
     </p:ext>
     <p:ext uri="{EFAFB233-063F-42B5-8137-9DF3F51BA10A}">
-      <p15:sldGuideLst xmlns:p15="http://schemas.microsoft.com/office/powerpoint/2012/main" xmlns="">
+      <p15:sldGuideLst xmlns="" xmlns:p15="http://schemas.microsoft.com/office/powerpoint/2012/main">
         <p15:guide id="1" orient="horz" pos="2160">
           <p15:clr>
             <a:srgbClr val="A4A3A4"/>
@@ -165,7 +165,7 @@
       </p15:sldGuideLst>
     </p:ext>
     <p:ext uri="{2D200454-40CA-4A62-9FC3-DE9A4176ACB9}">
-      <p15:notesGuideLst xmlns:p15="http://schemas.microsoft.com/office/powerpoint/2012/main" xmlns="">
+      <p15:notesGuideLst xmlns="" xmlns:p15="http://schemas.microsoft.com/office/powerpoint/2012/main">
         <p15:guide id="1" orient="horz" pos="3223">
           <p15:clr>
             <a:srgbClr val="A4A3A4"/>
@@ -1966,7 +1966,7 @@
           <a:noFill/>
           <a:ln w="6350" cap="rnd">
             <a:solidFill>
-              <a:schemeClr val="accent1"/>
+              <a:schemeClr val="tx1"/>
             </a:solidFill>
             <a:prstDash val="solid"/>
           </a:ln>
@@ -3594,7 +3594,7 @@
           <a:noFill/>
           <a:ln w="6350" cap="rnd">
             <a:solidFill>
-              <a:schemeClr val="accent1"/>
+              <a:schemeClr val="tx1"/>
             </a:solidFill>
             <a:prstDash val="solid"/>
           </a:ln>
@@ -3641,7 +3641,7 @@
           <a:noFill/>
           <a:ln w="6350" cap="rnd">
             <a:solidFill>
-              <a:schemeClr val="accent1"/>
+              <a:schemeClr val="tx1"/>
             </a:solidFill>
             <a:prstDash val="solid"/>
           </a:ln>
@@ -3693,7 +3693,7 @@
           <a:noFill/>
           <a:ln w="6350" cap="rnd">
             <a:solidFill>
-              <a:schemeClr val="accent1"/>
+              <a:schemeClr val="tx1"/>
             </a:solidFill>
             <a:prstDash val="solid"/>
           </a:ln>
@@ -3760,7 +3760,7 @@
           <a:noFill/>
           <a:ln w="6350" cap="rnd">
             <a:solidFill>
-              <a:schemeClr val="accent1"/>
+              <a:schemeClr val="tx1"/>
             </a:solidFill>
             <a:prstDash val="solid"/>
           </a:ln>

--- a/img/contents.pptx
+++ b/img/contents.pptx
@@ -3489,7 +3489,14 @@
                 <a:ea typeface="HG丸ｺﾞｼｯｸM-PRO" panose="020F0600000000000000" pitchFamily="50" charset="-128"/>
                 <a:cs typeface="Courier New" pitchFamily="49" charset="0"/>
               </a:rPr>
-              <a:t>：読める</a:t>
+              <a:t>：</a:t>
+            </a:r>
+            <a:r>
+              <a:rPr lang="ja-JP" altLang="en-US" sz="1200" smtClean="0">
+                <a:ea typeface="HG丸ｺﾞｼｯｸM-PRO" panose="020F0600000000000000" pitchFamily="50" charset="-128"/>
+                <a:cs typeface="Courier New" pitchFamily="49" charset="0"/>
+              </a:rPr>
+              <a:t>見える</a:t>
             </a:r>
             <a:endParaRPr lang="ja-JP" altLang="en-US" sz="1200">
               <a:latin typeface="HG丸ｺﾞｼｯｸM-PRO" panose="020F0600000000000000" pitchFamily="50" charset="-128"/>
@@ -3567,7 +3574,14 @@
                 <a:ea typeface="HG丸ｺﾞｼｯｸM-PRO" panose="020F0600000000000000" pitchFamily="50" charset="-128"/>
                 <a:cs typeface="Courier New" pitchFamily="49" charset="0"/>
               </a:rPr>
-              <a:t>：読めない</a:t>
+              <a:t>：</a:t>
+            </a:r>
+            <a:r>
+              <a:rPr lang="ja-JP" altLang="en-US" sz="1200">
+                <a:ea typeface="HG丸ｺﾞｼｯｸM-PRO" panose="020F0600000000000000" pitchFamily="50" charset="-128"/>
+                <a:cs typeface="Courier New" pitchFamily="49" charset="0"/>
+              </a:rPr>
+              <a:t>見えない</a:t>
             </a:r>
             <a:endParaRPr lang="ja-JP" altLang="en-US" sz="1200">
               <a:latin typeface="HG丸ｺﾞｼｯｸM-PRO" panose="020F0600000000000000" pitchFamily="50" charset="-128"/>
@@ -3733,7 +3747,7 @@
                 <a:ea typeface="HG丸ｺﾞｼｯｸM-PRO" panose="020F0600000000000000" pitchFamily="50" charset="-128"/>
                 <a:cs typeface="Courier New" pitchFamily="49" charset="0"/>
               </a:rPr>
-              <a:t>ホラーでない映画がみたい</a:t>
+              <a:t>ホラーでない映画が見たい</a:t>
             </a:r>
             <a:endParaRPr lang="ja-JP" altLang="en-US" sz="1200">
               <a:latin typeface="HG丸ｺﾞｼｯｸM-PRO" panose="020F0600000000000000" pitchFamily="50" charset="-128"/>
